--- a/docs/ЛЭТИ ВвПП 2019.5.pptx
+++ b/docs/ЛЭТИ ВвПП 2019.5.pptx
@@ -15,6 +15,7 @@
     <p:sldId id="263" r:id="rId10"/>
     <p:sldId id="264" r:id="rId11"/>
     <p:sldId id="265" r:id="rId12"/>
+    <p:sldId id="266" r:id="rId13"/>
   </p:sldIdLst>
   <p:sldSz cx="11998325" cy="7559675"/>
   <p:notesSz cx="7559675" cy="10691812"/>
@@ -1640,7 +1641,7 @@
         <p:spPr>
           <a:xfrm>
             <a:off x="548640" y="301320"/>
-            <a:ext cx="10796400" cy="4451400"/>
+            <a:ext cx="10796040" cy="4451040"/>
           </a:xfrm>
           <a:prstGeom prst="rect">
             <a:avLst/>
@@ -1686,7 +1687,7 @@
         <p:spPr>
           <a:xfrm>
             <a:off x="552960" y="5216400"/>
-            <a:ext cx="10787760" cy="1548000"/>
+            <a:ext cx="10787400" cy="1547640"/>
           </a:xfrm>
           <a:prstGeom prst="rect">
             <a:avLst/>
@@ -1793,8 +1794,8 @@
         </p:nvSpPr>
         <p:spPr>
           <a:xfrm>
-            <a:off x="576000" y="1800000"/>
-            <a:ext cx="10796400" cy="1260000"/>
+            <a:off x="578160" y="34560"/>
+            <a:ext cx="10796040" cy="1259640"/>
           </a:xfrm>
           <a:prstGeom prst="rect">
             <a:avLst/>
@@ -1826,9 +1827,431 @@
                 <a:latin typeface="Arial"/>
                 <a:ea typeface="DejaVu Sans"/>
               </a:rPr>
-              <a:t>Спасибо за внимание!</a:t>
+              <a:t>Оценки</a:t>
             </a:r>
             <a:endParaRPr b="0" lang="ru-RU" sz="4400" spc="-1" strike="noStrike">
+              <a:latin typeface="Arial"/>
+            </a:endParaRPr>
+          </a:p>
+        </p:txBody>
+      </p:sp>
+      <p:sp>
+        <p:nvSpPr>
+          <p:cNvPr id="67" name="CustomShape 2"/>
+          <p:cNvSpPr/>
+          <p:nvPr/>
+        </p:nvSpPr>
+        <p:spPr>
+          <a:xfrm>
+            <a:off x="432000" y="1080000"/>
+            <a:ext cx="11086920" cy="4174920"/>
+          </a:xfrm>
+          <a:prstGeom prst="rect">
+            <a:avLst/>
+          </a:prstGeom>
+          <a:noFill/>
+          <a:ln>
+            <a:noFill/>
+          </a:ln>
+        </p:spPr>
+        <p:style>
+          <a:lnRef idx="0"/>
+          <a:fillRef idx="0"/>
+          <a:effectRef idx="0"/>
+          <a:fontRef idx="minor"/>
+        </p:style>
+      </p:sp>
+      <p:sp>
+        <p:nvSpPr>
+          <p:cNvPr id="68" name="CustomShape 3"/>
+          <p:cNvSpPr/>
+          <p:nvPr/>
+        </p:nvSpPr>
+        <p:spPr>
+          <a:xfrm>
+            <a:off x="360000" y="5400000"/>
+            <a:ext cx="10796040" cy="1259640"/>
+          </a:xfrm>
+          <a:prstGeom prst="rect">
+            <a:avLst/>
+          </a:prstGeom>
+          <a:noFill/>
+          <a:ln>
+            <a:noFill/>
+          </a:ln>
+        </p:spPr>
+        <p:style>
+          <a:lnRef idx="0"/>
+          <a:fillRef idx="0"/>
+          <a:effectRef idx="0"/>
+          <a:fontRef idx="minor"/>
+        </p:style>
+        <p:txBody>
+          <a:bodyPr lIns="0" rIns="0" tIns="0" bIns="0" anchor="ctr"/>
+          <a:p>
+            <a:r>
+              <a:rPr b="0" lang="ru-RU" sz="2800" spc="-1" strike="noStrike">
+                <a:solidFill>
+                  <a:srgbClr val="000000"/>
+                </a:solidFill>
+                <a:latin typeface="Arial"/>
+                <a:ea typeface="DejaVu Sans"/>
+              </a:rPr>
+              <a:t>Введение в промышленное программирование</a:t>
+            </a:r>
+            <a:endParaRPr b="0" lang="ru-RU" sz="2800" spc="-1" strike="noStrike">
+              <a:latin typeface="Arial"/>
+            </a:endParaRPr>
+          </a:p>
+        </p:txBody>
+      </p:sp>
+      <p:sp>
+        <p:nvSpPr>
+          <p:cNvPr id="69" name="CustomShape 4"/>
+          <p:cNvSpPr/>
+          <p:nvPr/>
+        </p:nvSpPr>
+        <p:spPr>
+          <a:xfrm>
+            <a:off x="710280" y="1008000"/>
+            <a:ext cx="10665360" cy="1279800"/>
+          </a:xfrm>
+          <a:prstGeom prst="rect">
+            <a:avLst/>
+          </a:prstGeom>
+          <a:noFill/>
+          <a:ln>
+            <a:noFill/>
+          </a:ln>
+        </p:spPr>
+        <p:style>
+          <a:lnRef idx="0"/>
+          <a:fillRef idx="0"/>
+          <a:effectRef idx="0"/>
+          <a:fontRef idx="minor"/>
+        </p:style>
+        <p:txBody>
+          <a:bodyPr lIns="90000" rIns="90000" tIns="45000" bIns="45000"/>
+          <a:p>
+            <a:pPr marL="216000" indent="-215640">
+              <a:lnSpc>
+                <a:spcPct val="100000"/>
+              </a:lnSpc>
+              <a:spcBef>
+                <a:spcPts val="451"/>
+              </a:spcBef>
+              <a:spcAft>
+                <a:spcPts val="451"/>
+              </a:spcAft>
+              <a:buClr>
+                <a:srgbClr val="000000"/>
+              </a:buClr>
+              <a:buFont typeface="Wingdings" charset="2"/>
+              <a:buAutoNum type="arabicParenR"/>
+            </a:pPr>
+            <a:r>
+              <a:rPr b="0" lang="ru-RU" sz="1500" spc="-1" strike="noStrike">
+                <a:solidFill>
+                  <a:srgbClr val="000000"/>
+                </a:solidFill>
+                <a:latin typeface="Open Sans"/>
+              </a:rPr>
+              <a:t>Тестовое задание на базовый уровень (3 простых задачи) 10 баллов</a:t>
+            </a:r>
+            <a:endParaRPr b="0" lang="ru-RU" sz="1500" spc="-1" strike="noStrike">
+              <a:latin typeface="Arial"/>
+            </a:endParaRPr>
+          </a:p>
+          <a:p>
+            <a:pPr marL="216000" indent="-215640">
+              <a:lnSpc>
+                <a:spcPct val="100000"/>
+              </a:lnSpc>
+              <a:spcBef>
+                <a:spcPts val="451"/>
+              </a:spcBef>
+              <a:spcAft>
+                <a:spcPts val="451"/>
+              </a:spcAft>
+              <a:buClr>
+                <a:srgbClr val="000000"/>
+              </a:buClr>
+              <a:buFont typeface="Wingdings" charset="2"/>
+              <a:buAutoNum type="arabicParenR"/>
+            </a:pPr>
+            <a:r>
+              <a:rPr b="0" lang="ru-RU" sz="1500" spc="-1" strike="noStrike">
+                <a:solidFill>
+                  <a:srgbClr val="000000"/>
+                </a:solidFill>
+                <a:latin typeface="Open Sans"/>
+              </a:rPr>
+              <a:t>Разработка бизнес-логики клиент-серверного приложения 10 балла</a:t>
+            </a:r>
+            <a:endParaRPr b="0" lang="ru-RU" sz="1500" spc="-1" strike="noStrike">
+              <a:latin typeface="Arial"/>
+            </a:endParaRPr>
+          </a:p>
+          <a:p>
+            <a:pPr marL="216000" indent="-215640">
+              <a:lnSpc>
+                <a:spcPct val="100000"/>
+              </a:lnSpc>
+              <a:spcBef>
+                <a:spcPts val="451"/>
+              </a:spcBef>
+              <a:spcAft>
+                <a:spcPts val="451"/>
+              </a:spcAft>
+              <a:buClr>
+                <a:srgbClr val="000000"/>
+              </a:buClr>
+              <a:buFont typeface="Wingdings" charset="2"/>
+              <a:buAutoNum type="arabicParenR"/>
+            </a:pPr>
+            <a:r>
+              <a:rPr b="0" lang="ru-RU" sz="1500" spc="-1" strike="noStrike">
+                <a:solidFill>
+                  <a:srgbClr val="000000"/>
+                </a:solidFill>
+                <a:latin typeface="Open Sans"/>
+              </a:rPr>
+              <a:t>Разработка слоя работы с БД 10 баллов</a:t>
+            </a:r>
+            <a:endParaRPr b="0" lang="ru-RU" sz="1500" spc="-1" strike="noStrike">
+              <a:latin typeface="Arial"/>
+            </a:endParaRPr>
+          </a:p>
+          <a:p>
+            <a:pPr marL="216000" indent="-215640">
+              <a:lnSpc>
+                <a:spcPct val="100000"/>
+              </a:lnSpc>
+              <a:spcBef>
+                <a:spcPts val="451"/>
+              </a:spcBef>
+              <a:spcAft>
+                <a:spcPts val="451"/>
+              </a:spcAft>
+              <a:buClr>
+                <a:srgbClr val="000000"/>
+              </a:buClr>
+              <a:buFont typeface="Wingdings" charset="2"/>
+              <a:buAutoNum type="arabicParenR"/>
+            </a:pPr>
+            <a:r>
+              <a:rPr b="0" lang="ru-RU" sz="1500" spc="-1" strike="noStrike">
+                <a:solidFill>
+                  <a:srgbClr val="000000"/>
+                </a:solidFill>
+                <a:latin typeface="Open Sans"/>
+              </a:rPr>
+              <a:t>Разработка приложения на .NET Core 20 баллов</a:t>
+            </a:r>
+            <a:endParaRPr b="0" lang="ru-RU" sz="1500" spc="-1" strike="noStrike">
+              <a:latin typeface="Arial"/>
+            </a:endParaRPr>
+          </a:p>
+          <a:p>
+            <a:pPr marL="216000" indent="-215640">
+              <a:lnSpc>
+                <a:spcPct val="100000"/>
+              </a:lnSpc>
+              <a:spcBef>
+                <a:spcPts val="451"/>
+              </a:spcBef>
+              <a:spcAft>
+                <a:spcPts val="451"/>
+              </a:spcAft>
+              <a:buClr>
+                <a:srgbClr val="000000"/>
+              </a:buClr>
+              <a:buFont typeface="Wingdings" charset="2"/>
+              <a:buAutoNum type="arabicParenR"/>
+            </a:pPr>
+            <a:r>
+              <a:rPr b="0" lang="ru-RU" sz="1500" spc="-1" strike="noStrike">
+                <a:solidFill>
+                  <a:srgbClr val="000000"/>
+                </a:solidFill>
+                <a:latin typeface="Open Sans"/>
+                <a:ea typeface="Microsoft YaHei"/>
+              </a:rPr>
+              <a:t>Разработка Web API сервиса 15 баллов</a:t>
+            </a:r>
+            <a:endParaRPr b="0" lang="ru-RU" sz="1500" spc="-1" strike="noStrike">
+              <a:latin typeface="Arial"/>
+            </a:endParaRPr>
+          </a:p>
+          <a:p>
+            <a:pPr marL="216000" indent="-215640">
+              <a:lnSpc>
+                <a:spcPct val="100000"/>
+              </a:lnSpc>
+              <a:spcBef>
+                <a:spcPts val="451"/>
+              </a:spcBef>
+              <a:spcAft>
+                <a:spcPts val="451"/>
+              </a:spcAft>
+              <a:buClr>
+                <a:srgbClr val="000000"/>
+              </a:buClr>
+              <a:buFont typeface="Wingdings" charset="2"/>
+              <a:buAutoNum type="arabicParenR"/>
+            </a:pPr>
+            <a:r>
+              <a:rPr b="0" lang="ru-RU" sz="1500" spc="-1" strike="noStrike">
+                <a:solidFill>
+                  <a:srgbClr val="000000"/>
+                </a:solidFill>
+                <a:latin typeface="Open Sans"/>
+                <a:ea typeface="Microsoft YaHei"/>
+              </a:rPr>
+              <a:t>Разработка ASP.NET MVC приложения для работы с Web API 15 баллов</a:t>
+            </a:r>
+            <a:endParaRPr b="0" lang="ru-RU" sz="1500" spc="-1" strike="noStrike">
+              <a:latin typeface="Arial"/>
+            </a:endParaRPr>
+          </a:p>
+          <a:p>
+            <a:pPr marL="216000" indent="-216000">
+              <a:lnSpc>
+                <a:spcPct val="100000"/>
+              </a:lnSpc>
+              <a:spcBef>
+                <a:spcPts val="451"/>
+              </a:spcBef>
+              <a:spcAft>
+                <a:spcPts val="451"/>
+              </a:spcAft>
+              <a:buClr>
+                <a:srgbClr val="000000"/>
+              </a:buClr>
+              <a:buFont typeface="StarSymbol"/>
+              <a:buAutoNum type="arabicParenR"/>
+            </a:pPr>
+            <a:r>
+              <a:rPr b="0" lang="ru-RU" sz="1500" spc="-1" strike="noStrike">
+                <a:solidFill>
+                  <a:srgbClr val="000000"/>
+                </a:solidFill>
+                <a:latin typeface="Open Sans"/>
+                <a:ea typeface="Microsoft YaHei"/>
+              </a:rPr>
+              <a:t>Разработка </a:t>
+            </a:r>
+            <a:r>
+              <a:rPr b="0" lang="ru-RU" sz="1500" spc="-1" strike="noStrike">
+                <a:solidFill>
+                  <a:srgbClr val="000000"/>
+                </a:solidFill>
+                <a:latin typeface="Open Sans"/>
+              </a:rPr>
+              <a:t>WCF сервиса 10 баллов </a:t>
+            </a:r>
+            <a:endParaRPr b="0" lang="ru-RU" sz="1500" spc="-1" strike="noStrike">
+              <a:latin typeface="Arial"/>
+            </a:endParaRPr>
+          </a:p>
+          <a:p>
+            <a:pPr marL="216000" indent="-216000">
+              <a:lnSpc>
+                <a:spcPct val="100000"/>
+              </a:lnSpc>
+              <a:spcBef>
+                <a:spcPts val="451"/>
+              </a:spcBef>
+              <a:spcAft>
+                <a:spcPts val="451"/>
+              </a:spcAft>
+              <a:buClr>
+                <a:srgbClr val="000000"/>
+              </a:buClr>
+              <a:buFont typeface="StarSymbol"/>
+              <a:buAutoNum type="arabicParenR"/>
+            </a:pPr>
+            <a:r>
+              <a:rPr b="0" lang="ru-RU" sz="1500" spc="-1" strike="noStrike">
+                <a:solidFill>
+                  <a:srgbClr val="000000"/>
+                </a:solidFill>
+                <a:latin typeface="Open Sans"/>
+              </a:rPr>
+              <a:t>Разработка WPF приложения для работы с WCF 10 баллов</a:t>
+            </a:r>
+            <a:endParaRPr b="0" lang="ru-RU" sz="1500" spc="-1" strike="noStrike">
+              <a:latin typeface="Arial"/>
+            </a:endParaRPr>
+          </a:p>
+          <a:p>
+            <a:pPr marL="216000" indent="-215640">
+              <a:lnSpc>
+                <a:spcPct val="100000"/>
+              </a:lnSpc>
+              <a:spcBef>
+                <a:spcPts val="451"/>
+              </a:spcBef>
+              <a:spcAft>
+                <a:spcPts val="451"/>
+              </a:spcAft>
+              <a:buClr>
+                <a:srgbClr val="000000"/>
+              </a:buClr>
+              <a:buFont typeface="Wingdings" charset="2"/>
+              <a:buAutoNum type="arabicParenR"/>
+            </a:pPr>
+            <a:r>
+              <a:rPr b="0" lang="ru-RU" sz="1500" spc="-1" strike="noStrike">
+                <a:solidFill>
+                  <a:srgbClr val="000000"/>
+                </a:solidFill>
+                <a:latin typeface="Open Sans"/>
+              </a:rPr>
+              <a:t>Тест (10 вопросов, 4 варианта в каждом, 1 правильный) 20 баллов</a:t>
+            </a:r>
+            <a:endParaRPr b="0" lang="ru-RU" sz="1500" spc="-1" strike="noStrike">
+              <a:latin typeface="Arial"/>
+            </a:endParaRPr>
+          </a:p>
+          <a:p>
+            <a:pPr>
+              <a:lnSpc>
+                <a:spcPct val="100000"/>
+              </a:lnSpc>
+              <a:spcBef>
+                <a:spcPts val="451"/>
+              </a:spcBef>
+              <a:spcAft>
+                <a:spcPts val="451"/>
+              </a:spcAft>
+            </a:pPr>
+            <a:endParaRPr b="0" lang="ru-RU" sz="1500" spc="-1" strike="noStrike">
+              <a:latin typeface="Arial"/>
+            </a:endParaRPr>
+          </a:p>
+          <a:p>
+            <a:pPr>
+              <a:lnSpc>
+                <a:spcPct val="100000"/>
+              </a:lnSpc>
+              <a:spcBef>
+                <a:spcPts val="451"/>
+              </a:spcBef>
+              <a:spcAft>
+                <a:spcPts val="451"/>
+              </a:spcAft>
+            </a:pPr>
+            <a:r>
+              <a:rPr b="0" lang="ru-RU" sz="1500" spc="-1" strike="noStrike">
+                <a:solidFill>
+                  <a:srgbClr val="000000"/>
+                </a:solidFill>
+                <a:latin typeface="Open Sans"/>
+              </a:rPr>
+              <a:t>50 — 3, 65 — 4, 80 — 5</a:t>
+            </a:r>
+            <a:endParaRPr b="0" lang="ru-RU" sz="1500" spc="-1" strike="noStrike">
               <a:latin typeface="Arial"/>
             </a:endParaRPr>
           </a:p>
@@ -1843,6 +2266,104 @@
           <p:childTnLst>
             <p:seq>
               <p:cTn id="20" dur="indefinite" nodeType="mainSeq"/>
+              <p:prevCondLst>
+                <p:cond delay="0" evt="onPrev">
+                  <p:tgtEl>
+                    <p:sldTgt/>
+                  </p:tgtEl>
+                </p:cond>
+              </p:prevCondLst>
+              <p:nextCondLst>
+                <p:cond delay="0" evt="onNext">
+                  <p:tgtEl>
+                    <p:sldTgt/>
+                  </p:tgtEl>
+                </p:cond>
+              </p:nextCondLst>
+            </p:seq>
+          </p:childTnLst>
+        </p:cTn>
+      </p:par>
+    </p:tnLst>
+  </p:timing>
+</p:sld>
+</file>
+
+<file path=ppt/slides/slide11.xml><?xml version="1.0" encoding="utf-8"?>
+<p:sld xmlns:a="http://schemas.openxmlformats.org/drawingml/2006/main" xmlns:p="http://schemas.openxmlformats.org/presentationml/2006/main" xmlns:r="http://schemas.openxmlformats.org/officeDocument/2006/relationships" xmlns:p14="http://schemas.microsoft.com/office/powerpoint/2010/main" xmlns:p15="http://schemas.microsoft.com/office/powerpoint/2012/main" xmlns:mc="http://schemas.openxmlformats.org/markup-compatibility/2006">
+  <p:cSld>
+    <p:spTree>
+      <p:nvGrpSpPr>
+        <p:cNvPr id="1" name=""/>
+        <p:cNvGrpSpPr/>
+        <p:nvPr/>
+      </p:nvGrpSpPr>
+      <p:grpSpPr>
+        <a:xfrm>
+          <a:off x="0" y="0"/>
+          <a:ext cx="0" cy="0"/>
+          <a:chOff x="0" y="0"/>
+          <a:chExt cx="0" cy="0"/>
+        </a:xfrm>
+      </p:grpSpPr>
+      <p:sp>
+        <p:nvSpPr>
+          <p:cNvPr id="70" name="CustomShape 1"/>
+          <p:cNvSpPr/>
+          <p:nvPr/>
+        </p:nvSpPr>
+        <p:spPr>
+          <a:xfrm>
+            <a:off x="576000" y="1800000"/>
+            <a:ext cx="10796040" cy="1259640"/>
+          </a:xfrm>
+          <a:prstGeom prst="rect">
+            <a:avLst/>
+          </a:prstGeom>
+          <a:noFill/>
+          <a:ln>
+            <a:noFill/>
+          </a:ln>
+        </p:spPr>
+        <p:style>
+          <a:lnRef idx="0"/>
+          <a:fillRef idx="0"/>
+          <a:effectRef idx="0"/>
+          <a:fontRef idx="minor"/>
+        </p:style>
+        <p:txBody>
+          <a:bodyPr lIns="0" rIns="0" tIns="0" bIns="0" anchor="ctr"/>
+          <a:p>
+            <a:pPr algn="ctr">
+              <a:lnSpc>
+                <a:spcPct val="100000"/>
+              </a:lnSpc>
+            </a:pPr>
+            <a:r>
+              <a:rPr b="0" lang="ru-RU" sz="4400" spc="-1" strike="noStrike">
+                <a:solidFill>
+                  <a:srgbClr val="000000"/>
+                </a:solidFill>
+                <a:latin typeface="Arial"/>
+                <a:ea typeface="DejaVu Sans"/>
+              </a:rPr>
+              <a:t>Спасибо за внимание!</a:t>
+            </a:r>
+            <a:endParaRPr b="0" lang="ru-RU" sz="4400" spc="-1" strike="noStrike">
+              <a:latin typeface="Arial"/>
+            </a:endParaRPr>
+          </a:p>
+        </p:txBody>
+      </p:sp>
+    </p:spTree>
+  </p:cSld>
+  <p:timing>
+    <p:tnLst>
+      <p:par>
+        <p:cTn id="21" dur="indefinite" restart="never" nodeType="tmRoot">
+          <p:childTnLst>
+            <p:seq>
+              <p:cTn id="22" dur="indefinite" nodeType="mainSeq"/>
               <p:prevCondLst>
                 <p:cond delay="0" evt="onPrev">
                   <p:tgtEl>
@@ -1892,7 +2413,7 @@
         <p:spPr>
           <a:xfrm>
             <a:off x="578160" y="34560"/>
-            <a:ext cx="10796400" cy="1260000"/>
+            <a:ext cx="10796040" cy="1259640"/>
           </a:xfrm>
           <a:prstGeom prst="rect">
             <a:avLst/>
@@ -1941,7 +2462,7 @@
         <p:spPr>
           <a:xfrm>
             <a:off x="432000" y="1080000"/>
-            <a:ext cx="11087280" cy="4175280"/>
+            <a:ext cx="11086920" cy="4174920"/>
           </a:xfrm>
           <a:prstGeom prst="rect">
             <a:avLst/>
@@ -1960,7 +2481,7 @@
         <p:txBody>
           <a:bodyPr lIns="90000" rIns="90000" tIns="45000" bIns="45000"/>
           <a:p>
-            <a:pPr marL="216000" indent="-214560">
+            <a:pPr marL="216000" indent="-214200">
               <a:lnSpc>
                 <a:spcPct val="100000"/>
               </a:lnSpc>
@@ -1992,7 +2513,7 @@
             </a:endParaRPr>
           </a:p>
           <a:p>
-            <a:pPr marL="216000" indent="-214560">
+            <a:pPr marL="216000" indent="-214200">
               <a:lnSpc>
                 <a:spcPct val="100000"/>
               </a:lnSpc>
@@ -2024,7 +2545,7 @@
             </a:endParaRPr>
           </a:p>
           <a:p>
-            <a:pPr marL="216000" indent="-214560">
+            <a:pPr marL="216000" indent="-214200">
               <a:lnSpc>
                 <a:spcPct val="100000"/>
               </a:lnSpc>
@@ -2056,7 +2577,7 @@
             </a:endParaRPr>
           </a:p>
           <a:p>
-            <a:pPr marL="216000" indent="-214560">
+            <a:pPr marL="216000" indent="-214200">
               <a:lnSpc>
                 <a:spcPct val="100000"/>
               </a:lnSpc>
@@ -2088,7 +2609,7 @@
             </a:endParaRPr>
           </a:p>
           <a:p>
-            <a:pPr marL="216000" indent="-214560">
+            <a:pPr marL="216000" indent="-214200">
               <a:lnSpc>
                 <a:spcPct val="100000"/>
               </a:lnSpc>
@@ -2120,7 +2641,7 @@
             </a:endParaRPr>
           </a:p>
           <a:p>
-            <a:pPr marL="216000" indent="-214560">
+            <a:pPr marL="216000" indent="-214200">
               <a:lnSpc>
                 <a:spcPct val="100000"/>
               </a:lnSpc>
@@ -2152,7 +2673,7 @@
             </a:endParaRPr>
           </a:p>
           <a:p>
-            <a:pPr marL="216000" indent="-214560">
+            <a:pPr marL="216000" indent="-214200">
               <a:lnSpc>
                 <a:spcPct val="100000"/>
               </a:lnSpc>
@@ -2188,7 +2709,7 @@
         <p:spPr>
           <a:xfrm>
             <a:off x="360000" y="5400000"/>
-            <a:ext cx="10796400" cy="1260000"/>
+            <a:ext cx="10796040" cy="1259640"/>
           </a:xfrm>
           <a:prstGeom prst="rect">
             <a:avLst/>
@@ -2281,7 +2802,7 @@
         <p:spPr>
           <a:xfrm>
             <a:off x="578160" y="34560"/>
-            <a:ext cx="10796400" cy="1260000"/>
+            <a:ext cx="10796040" cy="1259640"/>
           </a:xfrm>
           <a:prstGeom prst="rect">
             <a:avLst/>
@@ -2330,7 +2851,7 @@
         <p:spPr>
           <a:xfrm>
             <a:off x="432000" y="1080000"/>
-            <a:ext cx="11087280" cy="4175280"/>
+            <a:ext cx="11086920" cy="4174920"/>
           </a:xfrm>
           <a:prstGeom prst="rect">
             <a:avLst/>
@@ -2349,7 +2870,7 @@
         <p:txBody>
           <a:bodyPr lIns="90000" rIns="90000" tIns="45000" bIns="45000"/>
           <a:p>
-            <a:pPr marL="216000" indent="-214560">
+            <a:pPr marL="216000" indent="-214200">
               <a:lnSpc>
                 <a:spcPct val="100000"/>
               </a:lnSpc>
@@ -2391,7 +2912,7 @@
             </a:endParaRPr>
           </a:p>
           <a:p>
-            <a:pPr lvl="1" marL="432000" indent="-216000">
+            <a:pPr lvl="1" marL="432000" indent="-215640">
               <a:lnSpc>
                 <a:spcPct val="100000"/>
               </a:lnSpc>
@@ -2423,7 +2944,7 @@
             </a:endParaRPr>
           </a:p>
           <a:p>
-            <a:pPr lvl="1" marL="432000" indent="-216000">
+            <a:pPr lvl="1" marL="432000" indent="-215640">
               <a:lnSpc>
                 <a:spcPct val="100000"/>
               </a:lnSpc>
@@ -2455,7 +2976,7 @@
             </a:endParaRPr>
           </a:p>
           <a:p>
-            <a:pPr lvl="1" marL="432000" indent="-216000">
+            <a:pPr lvl="1" marL="432000" indent="-215640">
               <a:lnSpc>
                 <a:spcPct val="100000"/>
               </a:lnSpc>
@@ -2487,7 +3008,7 @@
             </a:endParaRPr>
           </a:p>
           <a:p>
-            <a:pPr lvl="1" marL="432000" indent="-216000">
+            <a:pPr lvl="1" marL="432000" indent="-215640">
               <a:lnSpc>
                 <a:spcPct val="100000"/>
               </a:lnSpc>
@@ -2519,7 +3040,7 @@
             </a:endParaRPr>
           </a:p>
           <a:p>
-            <a:pPr lvl="1" marL="432000" indent="-216000">
+            <a:pPr lvl="1" marL="432000" indent="-215640">
               <a:lnSpc>
                 <a:spcPct val="100000"/>
               </a:lnSpc>
@@ -2551,7 +3072,7 @@
             </a:endParaRPr>
           </a:p>
           <a:p>
-            <a:pPr marL="216000" indent="-214560">
+            <a:pPr marL="216000" indent="-214200">
               <a:lnSpc>
                 <a:spcPct val="100000"/>
               </a:lnSpc>
@@ -2593,7 +3114,7 @@
             </a:endParaRPr>
           </a:p>
           <a:p>
-            <a:pPr lvl="1" marL="432000" indent="-216000">
+            <a:pPr lvl="1" marL="432000" indent="-215640">
               <a:lnSpc>
                 <a:spcPct val="100000"/>
               </a:lnSpc>
@@ -2625,7 +3146,7 @@
             </a:endParaRPr>
           </a:p>
           <a:p>
-            <a:pPr lvl="1" marL="432000" indent="-216000">
+            <a:pPr lvl="1" marL="432000" indent="-215640">
               <a:lnSpc>
                 <a:spcPct val="100000"/>
               </a:lnSpc>
@@ -2657,7 +3178,7 @@
             </a:endParaRPr>
           </a:p>
           <a:p>
-            <a:pPr lvl="1" marL="432000" indent="-216000">
+            <a:pPr lvl="1" marL="432000" indent="-215640">
               <a:lnSpc>
                 <a:spcPct val="100000"/>
               </a:lnSpc>
@@ -2689,7 +3210,7 @@
             </a:endParaRPr>
           </a:p>
           <a:p>
-            <a:pPr lvl="1" marL="432000" indent="-216000">
+            <a:pPr lvl="1" marL="432000" indent="-215640">
               <a:lnSpc>
                 <a:spcPct val="100000"/>
               </a:lnSpc>
@@ -2731,7 +3252,7 @@
         <p:spPr>
           <a:xfrm>
             <a:off x="360000" y="5400000"/>
-            <a:ext cx="10796400" cy="1260000"/>
+            <a:ext cx="10796040" cy="1259640"/>
           </a:xfrm>
           <a:prstGeom prst="rect">
             <a:avLst/>
@@ -2824,7 +3345,7 @@
         <p:spPr>
           <a:xfrm>
             <a:off x="578160" y="34560"/>
-            <a:ext cx="10796400" cy="1260000"/>
+            <a:ext cx="10796040" cy="1259640"/>
           </a:xfrm>
           <a:prstGeom prst="rect">
             <a:avLst/>
@@ -2873,7 +3394,7 @@
         <p:spPr>
           <a:xfrm>
             <a:off x="432000" y="1080000"/>
-            <a:ext cx="11087280" cy="4175280"/>
+            <a:ext cx="11086920" cy="4174920"/>
           </a:xfrm>
           <a:prstGeom prst="rect">
             <a:avLst/>
@@ -2892,7 +3413,7 @@
         <p:txBody>
           <a:bodyPr lIns="90000" rIns="90000" tIns="45000" bIns="45000"/>
           <a:p>
-            <a:pPr marL="216000" indent="-214560">
+            <a:pPr marL="216000" indent="-214200">
               <a:lnSpc>
                 <a:spcPct val="100000"/>
               </a:lnSpc>
@@ -2924,7 +3445,7 @@
             </a:endParaRPr>
           </a:p>
           <a:p>
-            <a:pPr marL="216000" indent="-214560">
+            <a:pPr marL="216000" indent="-214200">
               <a:lnSpc>
                 <a:spcPct val="100000"/>
               </a:lnSpc>
@@ -2956,7 +3477,7 @@
             </a:endParaRPr>
           </a:p>
           <a:p>
-            <a:pPr marL="216000" indent="-214560">
+            <a:pPr marL="216000" indent="-214200">
               <a:lnSpc>
                 <a:spcPct val="100000"/>
               </a:lnSpc>
@@ -2988,7 +3509,7 @@
             </a:endParaRPr>
           </a:p>
           <a:p>
-            <a:pPr marL="216000" indent="-214560">
+            <a:pPr marL="216000" indent="-214200">
               <a:lnSpc>
                 <a:spcPct val="100000"/>
               </a:lnSpc>
@@ -3020,7 +3541,7 @@
             </a:endParaRPr>
           </a:p>
           <a:p>
-            <a:pPr marL="216000" indent="-214560">
+            <a:pPr marL="216000" indent="-214200">
               <a:lnSpc>
                 <a:spcPct val="100000"/>
               </a:lnSpc>
@@ -3052,7 +3573,7 @@
             </a:endParaRPr>
           </a:p>
           <a:p>
-            <a:pPr marL="216000" indent="-214560">
+            <a:pPr marL="216000" indent="-214200">
               <a:lnSpc>
                 <a:spcPct val="100000"/>
               </a:lnSpc>
@@ -3084,7 +3605,7 @@
             </a:endParaRPr>
           </a:p>
           <a:p>
-            <a:pPr marL="216000" indent="-214560">
+            <a:pPr marL="216000" indent="-214200">
               <a:lnSpc>
                 <a:spcPct val="100000"/>
               </a:lnSpc>
@@ -3126,7 +3647,7 @@
         <p:spPr>
           <a:xfrm>
             <a:off x="360000" y="5400000"/>
-            <a:ext cx="10796400" cy="1260000"/>
+            <a:ext cx="10796040" cy="1259640"/>
           </a:xfrm>
           <a:prstGeom prst="rect">
             <a:avLst/>
@@ -3219,7 +3740,7 @@
         <p:spPr>
           <a:xfrm>
             <a:off x="578160" y="34560"/>
-            <a:ext cx="10796400" cy="1260000"/>
+            <a:ext cx="10796040" cy="1259640"/>
           </a:xfrm>
           <a:prstGeom prst="rect">
             <a:avLst/>
@@ -3268,7 +3789,7 @@
         <p:spPr>
           <a:xfrm>
             <a:off x="432000" y="1080000"/>
-            <a:ext cx="11087280" cy="4175280"/>
+            <a:ext cx="11086920" cy="4174920"/>
           </a:xfrm>
           <a:prstGeom prst="rect">
             <a:avLst/>
@@ -3287,7 +3808,7 @@
         <p:txBody>
           <a:bodyPr lIns="90000" rIns="90000" tIns="45000" bIns="45000"/>
           <a:p>
-            <a:pPr marL="216000" indent="-214560">
+            <a:pPr marL="216000" indent="-214200">
               <a:lnSpc>
                 <a:spcPct val="100000"/>
               </a:lnSpc>
@@ -3319,7 +3840,7 @@
             </a:endParaRPr>
           </a:p>
           <a:p>
-            <a:pPr marL="216000" indent="-214560">
+            <a:pPr marL="216000" indent="-214200">
               <a:lnSpc>
                 <a:spcPct val="100000"/>
               </a:lnSpc>
@@ -3351,7 +3872,7 @@
             </a:endParaRPr>
           </a:p>
           <a:p>
-            <a:pPr marL="216000" indent="-214560">
+            <a:pPr marL="216000" indent="-214200">
               <a:lnSpc>
                 <a:spcPct val="100000"/>
               </a:lnSpc>
@@ -3383,7 +3904,7 @@
             </a:endParaRPr>
           </a:p>
           <a:p>
-            <a:pPr marL="216000" indent="-214560">
+            <a:pPr marL="216000" indent="-214200">
               <a:lnSpc>
                 <a:spcPct val="100000"/>
               </a:lnSpc>
@@ -3415,7 +3936,7 @@
             </a:endParaRPr>
           </a:p>
           <a:p>
-            <a:pPr marL="216000" indent="-214560">
+            <a:pPr marL="216000" indent="-214200">
               <a:lnSpc>
                 <a:spcPct val="100000"/>
               </a:lnSpc>
@@ -3447,7 +3968,7 @@
             </a:endParaRPr>
           </a:p>
           <a:p>
-            <a:pPr marL="216000" indent="-214560">
+            <a:pPr marL="216000" indent="-214200">
               <a:lnSpc>
                 <a:spcPct val="100000"/>
               </a:lnSpc>
@@ -3479,7 +4000,7 @@
             </a:endParaRPr>
           </a:p>
           <a:p>
-            <a:pPr marL="216000" indent="-214560">
+            <a:pPr marL="216000" indent="-214200">
               <a:lnSpc>
                 <a:spcPct val="100000"/>
               </a:lnSpc>
@@ -3511,7 +4032,7 @@
             </a:endParaRPr>
           </a:p>
           <a:p>
-            <a:pPr marL="216000" indent="-214560">
+            <a:pPr marL="216000" indent="-214200">
               <a:lnSpc>
                 <a:spcPct val="100000"/>
               </a:lnSpc>
@@ -3543,7 +4064,7 @@
             </a:endParaRPr>
           </a:p>
           <a:p>
-            <a:pPr marL="216000" indent="-214560">
+            <a:pPr marL="216000" indent="-214200">
               <a:lnSpc>
                 <a:spcPct val="100000"/>
               </a:lnSpc>
@@ -3585,7 +4106,7 @@
         <p:spPr>
           <a:xfrm>
             <a:off x="360000" y="5400000"/>
-            <a:ext cx="10796400" cy="1260000"/>
+            <a:ext cx="10796040" cy="1259640"/>
           </a:xfrm>
           <a:prstGeom prst="rect">
             <a:avLst/>
@@ -3678,7 +4199,7 @@
         <p:spPr>
           <a:xfrm>
             <a:off x="578160" y="34560"/>
-            <a:ext cx="10796400" cy="1260000"/>
+            <a:ext cx="10796040" cy="1259640"/>
           </a:xfrm>
           <a:prstGeom prst="rect">
             <a:avLst/>
@@ -3727,7 +4248,7 @@
         <p:spPr>
           <a:xfrm>
             <a:off x="432000" y="1080000"/>
-            <a:ext cx="11087280" cy="4175280"/>
+            <a:ext cx="11086920" cy="4174920"/>
           </a:xfrm>
           <a:prstGeom prst="rect">
             <a:avLst/>
@@ -3746,7 +4267,7 @@
         <p:txBody>
           <a:bodyPr lIns="90000" rIns="90000" tIns="45000" bIns="45000"/>
           <a:p>
-            <a:pPr marL="216000" indent="-214560">
+            <a:pPr marL="216000" indent="-214200">
               <a:lnSpc>
                 <a:spcPct val="100000"/>
               </a:lnSpc>
@@ -3778,7 +4299,7 @@
             </a:endParaRPr>
           </a:p>
           <a:p>
-            <a:pPr marL="216000" indent="-214560">
+            <a:pPr marL="216000" indent="-214200">
               <a:lnSpc>
                 <a:spcPct val="100000"/>
               </a:lnSpc>
@@ -3810,7 +4331,7 @@
             </a:endParaRPr>
           </a:p>
           <a:p>
-            <a:pPr marL="216000" indent="-214560">
+            <a:pPr marL="216000" indent="-214200">
               <a:lnSpc>
                 <a:spcPct val="100000"/>
               </a:lnSpc>
@@ -3842,7 +4363,7 @@
             </a:endParaRPr>
           </a:p>
           <a:p>
-            <a:pPr marL="216000" indent="-214560">
+            <a:pPr marL="216000" indent="-214200">
               <a:lnSpc>
                 <a:spcPct val="100000"/>
               </a:lnSpc>
@@ -3874,7 +4395,7 @@
             </a:endParaRPr>
           </a:p>
           <a:p>
-            <a:pPr marL="216000" indent="-214560">
+            <a:pPr marL="216000" indent="-214200">
               <a:lnSpc>
                 <a:spcPct val="100000"/>
               </a:lnSpc>
@@ -3906,7 +4427,7 @@
             </a:endParaRPr>
           </a:p>
           <a:p>
-            <a:pPr marL="216000" indent="-214560">
+            <a:pPr marL="216000" indent="-214200">
               <a:lnSpc>
                 <a:spcPct val="100000"/>
               </a:lnSpc>
@@ -3938,7 +4459,7 @@
             </a:endParaRPr>
           </a:p>
           <a:p>
-            <a:pPr marL="216000" indent="-214560">
+            <a:pPr marL="216000" indent="-214200">
               <a:lnSpc>
                 <a:spcPct val="100000"/>
               </a:lnSpc>
@@ -3970,7 +4491,7 @@
             </a:endParaRPr>
           </a:p>
           <a:p>
-            <a:pPr marL="216000" indent="-214560">
+            <a:pPr marL="216000" indent="-214200">
               <a:lnSpc>
                 <a:spcPct val="100000"/>
               </a:lnSpc>
@@ -4012,7 +4533,7 @@
         <p:spPr>
           <a:xfrm>
             <a:off x="360000" y="5400000"/>
-            <a:ext cx="10796400" cy="1260000"/>
+            <a:ext cx="10796040" cy="1259640"/>
           </a:xfrm>
           <a:prstGeom prst="rect">
             <a:avLst/>
@@ -4105,7 +4626,7 @@
         <p:spPr>
           <a:xfrm>
             <a:off x="578160" y="34560"/>
-            <a:ext cx="10796400" cy="1260000"/>
+            <a:ext cx="10796040" cy="1259640"/>
           </a:xfrm>
           <a:prstGeom prst="rect">
             <a:avLst/>
@@ -4154,7 +4675,7 @@
         <p:spPr>
           <a:xfrm>
             <a:off x="432000" y="1080000"/>
-            <a:ext cx="11087280" cy="4175280"/>
+            <a:ext cx="11086920" cy="4174920"/>
           </a:xfrm>
           <a:prstGeom prst="rect">
             <a:avLst/>
@@ -4173,7 +4694,7 @@
         <p:txBody>
           <a:bodyPr lIns="90000" rIns="90000" tIns="45000" bIns="45000"/>
           <a:p>
-            <a:pPr marL="216000" indent="-214560">
+            <a:pPr marL="216000" indent="-214200">
               <a:lnSpc>
                 <a:spcPct val="100000"/>
               </a:lnSpc>
@@ -4205,7 +4726,7 @@
             </a:endParaRPr>
           </a:p>
           <a:p>
-            <a:pPr marL="216000" indent="-214560">
+            <a:pPr marL="216000" indent="-214200">
               <a:lnSpc>
                 <a:spcPct val="100000"/>
               </a:lnSpc>
@@ -4237,7 +4758,7 @@
             </a:endParaRPr>
           </a:p>
           <a:p>
-            <a:pPr marL="216000" indent="-214560">
+            <a:pPr marL="216000" indent="-214200">
               <a:lnSpc>
                 <a:spcPct val="100000"/>
               </a:lnSpc>
@@ -4269,7 +4790,7 @@
             </a:endParaRPr>
           </a:p>
           <a:p>
-            <a:pPr marL="216000" indent="-214560">
+            <a:pPr marL="216000" indent="-214200">
               <a:lnSpc>
                 <a:spcPct val="100000"/>
               </a:lnSpc>
@@ -4311,7 +4832,7 @@
         <p:spPr>
           <a:xfrm>
             <a:off x="360000" y="5400000"/>
-            <a:ext cx="10796400" cy="1260000"/>
+            <a:ext cx="10796040" cy="1259640"/>
           </a:xfrm>
           <a:prstGeom prst="rect">
             <a:avLst/>
@@ -4404,7 +4925,7 @@
         <p:spPr>
           <a:xfrm>
             <a:off x="578160" y="34560"/>
-            <a:ext cx="10796400" cy="1260000"/>
+            <a:ext cx="10796040" cy="1259640"/>
           </a:xfrm>
           <a:prstGeom prst="rect">
             <a:avLst/>
@@ -4453,7 +4974,7 @@
         <p:spPr>
           <a:xfrm>
             <a:off x="432000" y="1080000"/>
-            <a:ext cx="11087280" cy="4175280"/>
+            <a:ext cx="11086920" cy="4174920"/>
           </a:xfrm>
           <a:prstGeom prst="rect">
             <a:avLst/>
@@ -4479,7 +5000,7 @@
         <p:spPr>
           <a:xfrm>
             <a:off x="360000" y="5400000"/>
-            <a:ext cx="10796400" cy="1260000"/>
+            <a:ext cx="10796040" cy="1259640"/>
           </a:xfrm>
           <a:prstGeom prst="rect">
             <a:avLst/>
@@ -4527,7 +5048,7 @@
         <p:spPr>
           <a:xfrm>
             <a:off x="2160000" y="1044000"/>
-            <a:ext cx="7510320" cy="3556800"/>
+            <a:ext cx="7509960" cy="3556440"/>
           </a:xfrm>
           <a:prstGeom prst="rect">
             <a:avLst/>
@@ -4595,7 +5116,7 @@
         <p:spPr>
           <a:xfrm>
             <a:off x="578160" y="34560"/>
-            <a:ext cx="10796400" cy="1260000"/>
+            <a:ext cx="10796040" cy="1259640"/>
           </a:xfrm>
           <a:prstGeom prst="rect">
             <a:avLst/>
@@ -4627,7 +5148,7 @@
                 <a:latin typeface="Arial"/>
                 <a:ea typeface="DejaVu Sans"/>
               </a:rPr>
-              <a:t>Домашнее задание</a:t>
+              <a:t>Задачи до конца курса</a:t>
             </a:r>
             <a:endParaRPr b="0" lang="ru-RU" sz="4400" spc="-1" strike="noStrike">
               <a:latin typeface="Arial"/>
@@ -4644,7 +5165,7 @@
         <p:spPr>
           <a:xfrm>
             <a:off x="432000" y="1080000"/>
-            <a:ext cx="11087280" cy="4175280"/>
+            <a:ext cx="11086920" cy="4174920"/>
           </a:xfrm>
           <a:prstGeom prst="rect">
             <a:avLst/>
@@ -4670,7 +5191,7 @@
         <p:spPr>
           <a:xfrm>
             <a:off x="360000" y="5400000"/>
-            <a:ext cx="10796400" cy="1260000"/>
+            <a:ext cx="10796040" cy="1259640"/>
           </a:xfrm>
           <a:prstGeom prst="rect">
             <a:avLst/>
@@ -4707,14 +5228,14 @@
       </p:sp>
       <p:sp>
         <p:nvSpPr>
-          <p:cNvPr id="65" name="TextShape 4"/>
-          <p:cNvSpPr txBox="1"/>
+          <p:cNvPr id="65" name="CustomShape 4"/>
+          <p:cNvSpPr/>
           <p:nvPr/>
         </p:nvSpPr>
         <p:spPr>
           <a:xfrm>
             <a:off x="710280" y="1429920"/>
-            <a:ext cx="10665720" cy="858240"/>
+            <a:ext cx="10665360" cy="857880"/>
           </a:xfrm>
           <a:prstGeom prst="rect">
             <a:avLst/>
@@ -4724,10 +5245,19 @@
             <a:noFill/>
           </a:ln>
         </p:spPr>
+        <p:style>
+          <a:lnRef idx="0"/>
+          <a:fillRef idx="0"/>
+          <a:effectRef idx="0"/>
+          <a:fontRef idx="minor"/>
+        </p:style>
         <p:txBody>
           <a:bodyPr lIns="90000" rIns="90000" tIns="45000" bIns="45000"/>
           <a:p>
-            <a:pPr marL="216000" indent="-216000">
+            <a:pPr marL="216000" indent="-215640">
+              <a:lnSpc>
+                <a:spcPct val="100000"/>
+              </a:lnSpc>
               <a:buClr>
                 <a:srgbClr val="000000"/>
               </a:buClr>
@@ -4742,14 +5272,17 @@
                 </a:solidFill>
                 <a:latin typeface="Open Sans"/>
               </a:rPr>
-              <a:t>Реализовать WebAPI-слой для приложения</a:t>
+              <a:t>Для всех</a:t>
             </a:r>
             <a:endParaRPr b="0" lang="ru-RU" sz="1800" spc="-1" strike="noStrike">
               <a:latin typeface="Arial"/>
             </a:endParaRPr>
           </a:p>
           <a:p>
-            <a:pPr marL="216000" indent="-216000">
+            <a:pPr lvl="1" marL="432000" indent="-216000">
+              <a:lnSpc>
+                <a:spcPct val="100000"/>
+              </a:lnSpc>
               <a:buClr>
                 <a:srgbClr val="000000"/>
               </a:buClr>
@@ -4764,7 +5297,107 @@
                 </a:solidFill>
                 <a:latin typeface="Open Sans"/>
               </a:rPr>
-              <a:t>С помощью SoapUI или аналогов проверить работу целого приложения (GET-запросы можно проверять из браузера)</a:t>
+              <a:t>Реализовать WebAPI-слой для приложения (для проверки можно использовать SoapUI, Postman, etc)</a:t>
+            </a:r>
+            <a:endParaRPr b="0" lang="ru-RU" sz="1800" spc="-1" strike="noStrike">
+              <a:latin typeface="Arial"/>
+            </a:endParaRPr>
+          </a:p>
+          <a:p>
+            <a:pPr lvl="1" marL="432000" indent="-216000">
+              <a:lnSpc>
+                <a:spcPct val="100000"/>
+              </a:lnSpc>
+              <a:buClr>
+                <a:srgbClr val="000000"/>
+              </a:buClr>
+              <a:buSzPct val="45000"/>
+              <a:buFont typeface="Wingdings" charset="2"/>
+              <a:buChar char=""/>
+            </a:pPr>
+            <a:r>
+              <a:rPr b="0" lang="ru-RU" sz="1800" spc="-1" strike="noStrike">
+                <a:solidFill>
+                  <a:srgbClr val="000000"/>
+                </a:solidFill>
+                <a:latin typeface="Open Sans"/>
+              </a:rPr>
+              <a:t>Реализовать ASP.NET MVC клиент, использующий WebApi через HttpClient, для UI можно использовать Razor (либо любой JS-фреймворк по желанию)</a:t>
+            </a:r>
+            <a:endParaRPr b="0" lang="ru-RU" sz="1800" spc="-1" strike="noStrike">
+              <a:latin typeface="Arial"/>
+            </a:endParaRPr>
+          </a:p>
+          <a:p>
+            <a:pPr marL="216000" indent="-215640">
+              <a:lnSpc>
+                <a:spcPct val="100000"/>
+              </a:lnSpc>
+              <a:buClr>
+                <a:srgbClr val="000000"/>
+              </a:buClr>
+              <a:buSzPct val="45000"/>
+              <a:buFont typeface="Wingdings" charset="2"/>
+              <a:buChar char=""/>
+            </a:pPr>
+            <a:r>
+              <a:rPr b="0" lang="ru-RU" sz="1800" spc="-1" strike="noStrike">
+                <a:solidFill>
+                  <a:srgbClr val="000000"/>
+                </a:solidFill>
+                <a:latin typeface="Open Sans"/>
+              </a:rPr>
+              <a:t>Для пишущих на классическом .NET</a:t>
+            </a:r>
+            <a:endParaRPr b="0" lang="ru-RU" sz="1800" spc="-1" strike="noStrike">
+              <a:latin typeface="Arial"/>
+            </a:endParaRPr>
+          </a:p>
+          <a:p>
+            <a:pPr lvl="1" marL="432000" indent="-216000">
+              <a:lnSpc>
+                <a:spcPct val="100000"/>
+              </a:lnSpc>
+              <a:buClr>
+                <a:srgbClr val="000000"/>
+              </a:buClr>
+              <a:buSzPct val="45000"/>
+              <a:buFont typeface="Wingdings" charset="2"/>
+              <a:buChar char=""/>
+            </a:pPr>
+            <a:r>
+              <a:rPr b="0" lang="ru-RU" sz="1800" spc="-1" strike="noStrike">
+                <a:solidFill>
+                  <a:srgbClr val="000000"/>
+                </a:solidFill>
+                <a:latin typeface="Open Sans"/>
+              </a:rPr>
+              <a:t>Реализовать WCF-слой для приложения (для проверки используем WcfTestClient из папки студии)</a:t>
+            </a:r>
+            <a:endParaRPr b="0" lang="ru-RU" sz="1800" spc="-1" strike="noStrike">
+              <a:latin typeface="Arial"/>
+            </a:endParaRPr>
+          </a:p>
+          <a:p>
+            <a:pPr lvl="1" marL="432000" indent="-216000">
+              <a:lnSpc>
+                <a:spcPct val="100000"/>
+              </a:lnSpc>
+              <a:buClr>
+                <a:srgbClr val="000000"/>
+              </a:buClr>
+              <a:buSzPct val="45000"/>
+              <a:buFont typeface="Wingdings" charset="2"/>
+              <a:buChar char=""/>
+            </a:pPr>
+            <a:r>
+              <a:rPr b="0" lang="ru-RU" sz="1800" spc="-1" strike="noStrike">
+                <a:solidFill>
+                  <a:srgbClr val="000000"/>
+                </a:solidFill>
+                <a:latin typeface="Open Sans"/>
+              </a:rPr>
+              <a:t>Реализовать WPF-клиент, использующий WCF через генерацию кода по сервисам</a:t>
             </a:r>
             <a:endParaRPr b="0" lang="ru-RU" sz="1800" spc="-1" strike="noStrike">
               <a:latin typeface="Arial"/>
